--- a/spring13/slides13/stable-ritual.pptx
+++ b/spring13/slides13/stable-ritual.pptx
@@ -3846,21 +3846,35 @@
                 <a:latin typeface="Comic Sans MS" pitchFamily="66" charset="0"/>
                 <a:ea typeface="宋体" pitchFamily="2" charset="-122"/>
               </a:rPr>
-              <a:t>Albert R Meyer.     April</a:t>
-            </a:r>
-            <a:r>
-              <a:rPr lang="en-US" altLang="zh-CN" sz="1000" baseline="0" dirty="0" smtClean="0">
+              <a:t>Albert R Meyer.     </a:t>
+            </a:r>
+            <a:r>
+              <a:rPr lang="en-US" altLang="zh-CN" sz="1000" smtClean="0">
                 <a:latin typeface="Comic Sans MS" pitchFamily="66" charset="0"/>
                 <a:ea typeface="宋体" pitchFamily="2" charset="-122"/>
               </a:rPr>
-              <a:t> 5</a:t>
+              <a:t>April</a:t>
+            </a:r>
+            <a:r>
+              <a:rPr lang="en-US" altLang="zh-CN" sz="1000" baseline="0" smtClean="0">
+                <a:latin typeface="Comic Sans MS" pitchFamily="66" charset="0"/>
+                <a:ea typeface="宋体" pitchFamily="2" charset="-122"/>
+              </a:rPr>
+              <a:t> 3</a:t>
+            </a:r>
+            <a:r>
+              <a:rPr lang="en-US" altLang="zh-CN" sz="1000" smtClean="0">
+                <a:latin typeface="Comic Sans MS" pitchFamily="66" charset="0"/>
+                <a:ea typeface="宋体" pitchFamily="2" charset="-122"/>
+              </a:rPr>
+              <a:t>, </a:t>
             </a:r>
             <a:r>
               <a:rPr lang="en-US" altLang="zh-CN" sz="1000" dirty="0" smtClean="0">
                 <a:latin typeface="Comic Sans MS" pitchFamily="66" charset="0"/>
                 <a:ea typeface="宋体" pitchFamily="2" charset="-122"/>
               </a:rPr>
-              <a:t>, 2013</a:t>
+              <a:t>2013</a:t>
             </a:r>
             <a:endParaRPr lang="en-US" altLang="zh-CN" sz="1000" dirty="0">
               <a:latin typeface="Comic Sans MS" pitchFamily="66" charset="0"/>
@@ -7551,6 +7565,66 @@
       </p:grpSpPr>
       <p:sp>
         <p:nvSpPr>
+          <p:cNvPr id="6" name="TextBox 5"/>
+          <p:cNvSpPr txBox="1"/>
+          <p:nvPr/>
+        </p:nvSpPr>
+        <p:spPr>
+          <a:xfrm>
+            <a:off x="300899" y="4435339"/>
+            <a:ext cx="8125842" cy="1311128"/>
+          </a:xfrm>
+          <a:prstGeom prst="rect">
+            <a:avLst/>
+          </a:prstGeom>
+          <a:noFill/>
+        </p:spPr>
+        <p:txBody>
+          <a:bodyPr wrap="none" rtlCol="0">
+            <a:spAutoFit/>
+          </a:bodyPr>
+          <a:lstStyle/>
+          <a:p>
+            <a:pPr>
+              <a:buNone/>
+            </a:pPr>
+            <a:r>
+              <a:rPr lang="en-US" sz="3600" dirty="0" smtClean="0">
+                <a:latin typeface="Comic Sans MS" pitchFamily="66" charset="0"/>
+              </a:rPr>
+              <a:t>                                                 Since</a:t>
+            </a:r>
+          </a:p>
+          <a:p>
+            <a:pPr>
+              <a:buNone/>
+            </a:pPr>
+            <a:r>
+              <a:rPr lang="en-US" sz="3600" dirty="0" smtClean="0">
+                <a:latin typeface="Comic Sans MS" pitchFamily="66" charset="0"/>
+              </a:rPr>
+              <a:t>no bigamy, all </a:t>
+            </a:r>
+            <a:r>
+              <a:rPr lang="en-US" sz="3600" dirty="0" smtClean="0">
+                <a:solidFill>
+                  <a:srgbClr val="0000FF"/>
+                </a:solidFill>
+                <a:latin typeface="Comic Sans MS" pitchFamily="66" charset="0"/>
+              </a:rPr>
+              <a:t>boys</a:t>
+            </a:r>
+            <a:r>
+              <a:rPr lang="en-US" sz="3600" dirty="0" smtClean="0">
+                <a:latin typeface="Comic Sans MS" pitchFamily="66" charset="0"/>
+              </a:rPr>
+              <a:t> are married.</a:t>
+            </a:r>
+          </a:p>
+        </p:txBody>
+      </p:sp>
+      <p:sp>
+        <p:nvSpPr>
           <p:cNvPr id="513028" name="Text Box 4"/>
           <p:cNvSpPr txBox="1">
             <a:spLocks noChangeArrowheads="1"/>
@@ -7683,141 +7757,6 @@
       </p:sp>
       <p:sp>
         <p:nvSpPr>
-          <p:cNvPr id="6" name="TextBox 5"/>
-          <p:cNvSpPr txBox="1"/>
-          <p:nvPr/>
-        </p:nvSpPr>
-        <p:spPr>
-          <a:xfrm>
-            <a:off x="300899" y="4435339"/>
-            <a:ext cx="8125842" cy="1311128"/>
-          </a:xfrm>
-          <a:prstGeom prst="rect">
-            <a:avLst/>
-          </a:prstGeom>
-          <a:noFill/>
-        </p:spPr>
-        <p:txBody>
-          <a:bodyPr wrap="none" rtlCol="0">
-            <a:spAutoFit/>
-          </a:bodyPr>
-          <a:lstStyle/>
-          <a:p>
-            <a:pPr>
-              <a:buNone/>
-            </a:pPr>
-            <a:r>
-              <a:rPr lang="en-US" sz="3600" dirty="0" smtClean="0">
-                <a:latin typeface="Comic Sans MS" pitchFamily="66" charset="0"/>
-              </a:rPr>
-              <a:t>                                                 Since</a:t>
-            </a:r>
-          </a:p>
-          <a:p>
-            <a:pPr>
-              <a:buNone/>
-            </a:pPr>
-            <a:r>
-              <a:rPr lang="en-US" sz="3600" dirty="0" smtClean="0">
-                <a:latin typeface="Comic Sans MS" pitchFamily="66" charset="0"/>
-              </a:rPr>
-              <a:t>no bigamy, all </a:t>
-            </a:r>
-            <a:r>
-              <a:rPr lang="en-US" sz="3600" dirty="0" smtClean="0">
-                <a:solidFill>
-                  <a:srgbClr val="0000FF"/>
-                </a:solidFill>
-                <a:latin typeface="Comic Sans MS" pitchFamily="66" charset="0"/>
-              </a:rPr>
-              <a:t>boys</a:t>
-            </a:r>
-            <a:r>
-              <a:rPr lang="en-US" sz="3600" dirty="0" smtClean="0">
-                <a:latin typeface="Comic Sans MS" pitchFamily="66" charset="0"/>
-              </a:rPr>
-              <a:t> are married.</a:t>
-            </a:r>
-          </a:p>
-        </p:txBody>
-      </p:sp>
-      <p:sp>
-        <p:nvSpPr>
-          <p:cNvPr id="2" name="TextBox 1"/>
-          <p:cNvSpPr txBox="1"/>
-          <p:nvPr/>
-        </p:nvSpPr>
-        <p:spPr>
-          <a:xfrm>
-            <a:off x="266266" y="3779136"/>
-            <a:ext cx="7556404" cy="1902059"/>
-          </a:xfrm>
-          <a:prstGeom prst="rect">
-            <a:avLst/>
-          </a:prstGeom>
-          <a:noFill/>
-        </p:spPr>
-        <p:txBody>
-          <a:bodyPr wrap="none" rtlCol="0">
-            <a:spAutoFit/>
-          </a:bodyPr>
-          <a:lstStyle/>
-          <a:p>
-            <a:pPr lvl="0">
-              <a:buNone/>
-            </a:pPr>
-            <a:r>
-              <a:rPr lang="en-US" sz="3600" b="1" dirty="0" smtClean="0">
-                <a:solidFill>
-                  <a:srgbClr val="000000"/>
-                </a:solidFill>
-                <a:latin typeface="Euclid Symbol" charset="2"/>
-                <a:cs typeface="Euclid Symbol" charset="2"/>
-              </a:rPr>
-              <a:t>                           −</a:t>
-            </a:r>
-            <a:r>
-              <a:rPr lang="en-US" sz="3600" dirty="0">
-                <a:solidFill>
-                  <a:srgbClr val="000000"/>
-                </a:solidFill>
-              </a:rPr>
-              <a:t>so they do have a </a:t>
-            </a:r>
-            <a:endParaRPr lang="en-US" sz="3600" dirty="0" smtClean="0">
-              <a:solidFill>
-                <a:srgbClr val="000000"/>
-              </a:solidFill>
-            </a:endParaRPr>
-          </a:p>
-          <a:p>
-            <a:pPr lvl="0">
-              <a:buNone/>
-            </a:pPr>
-            <a:r>
-              <a:rPr lang="en-US" sz="3600" dirty="0" smtClean="0">
-                <a:solidFill>
-                  <a:srgbClr val="000000"/>
-                </a:solidFill>
-              </a:rPr>
-              <a:t>favorite:</a:t>
-            </a:r>
-            <a:endParaRPr lang="en-US" sz="3600" dirty="0">
-              <a:solidFill>
-                <a:srgbClr val="000000"/>
-              </a:solidFill>
-            </a:endParaRPr>
-          </a:p>
-          <a:p>
-            <a:pPr>
-              <a:buNone/>
-            </a:pPr>
-            <a:endParaRPr lang="en-US" dirty="0"/>
-          </a:p>
-        </p:txBody>
-      </p:sp>
-      <p:sp>
-        <p:nvSpPr>
           <p:cNvPr id="47106" name="Rectangle 2"/>
           <p:cNvSpPr>
             <a:spLocks noGrp="1" noChangeArrowheads="1"/>
@@ -8053,6 +7992,81 @@
               <a:t>married.</a:t>
             </a:r>
             <a:endParaRPr lang="en-US" sz="3600" dirty="0"/>
+          </a:p>
+        </p:txBody>
+      </p:sp>
+      <p:sp>
+        <p:nvSpPr>
+          <p:cNvPr id="2" name="TextBox 1"/>
+          <p:cNvSpPr txBox="1"/>
+          <p:nvPr/>
+        </p:nvSpPr>
+        <p:spPr>
+          <a:xfrm>
+            <a:off x="266266" y="3779136"/>
+            <a:ext cx="7556404" cy="1902059"/>
+          </a:xfrm>
+          <a:prstGeom prst="rect">
+            <a:avLst/>
+          </a:prstGeom>
+          <a:noFill/>
+        </p:spPr>
+        <p:txBody>
+          <a:bodyPr wrap="none" rtlCol="0">
+            <a:spAutoFit/>
+          </a:bodyPr>
+          <a:lstStyle/>
+          <a:p>
+            <a:pPr lvl="0">
+              <a:buNone/>
+            </a:pPr>
+            <a:r>
+              <a:rPr lang="en-US" sz="3600" b="1" dirty="0" smtClean="0">
+                <a:solidFill>
+                  <a:srgbClr val="000000"/>
+                </a:solidFill>
+                <a:latin typeface="Euclid Symbol" charset="2"/>
+                <a:cs typeface="Euclid Symbol" charset="2"/>
+              </a:rPr>
+              <a:t>                           −</a:t>
+            </a:r>
+            <a:r>
+              <a:rPr lang="en-US" sz="3600" dirty="0">
+                <a:solidFill>
+                  <a:srgbClr val="000000"/>
+                </a:solidFill>
+              </a:rPr>
+              <a:t>so they do have a </a:t>
+            </a:r>
+            <a:endParaRPr lang="en-US" sz="3600" dirty="0" smtClean="0">
+              <a:solidFill>
+                <a:srgbClr val="000000"/>
+              </a:solidFill>
+            </a:endParaRPr>
+          </a:p>
+          <a:p>
+            <a:pPr lvl="0">
+              <a:buNone/>
+            </a:pPr>
+            <a:r>
+              <a:rPr lang="en-US" sz="3600" dirty="0" smtClean="0">
+                <a:solidFill>
+                  <a:srgbClr val="000000"/>
+                </a:solidFill>
+              </a:rPr>
+              <a:t>favorite:</a:t>
+            </a:r>
+            <a:endParaRPr lang="en-US" sz="3600" dirty="0">
+              <a:solidFill>
+                <a:srgbClr val="000000"/>
+              </a:solidFill>
+            </a:endParaRPr>
+          </a:p>
+          <a:p>
+            <a:pPr>
+              <a:buNone/>
+            </a:pPr>
+            <a:endParaRPr lang="en-US" dirty="0"/>
           </a:p>
         </p:txBody>
       </p:sp>
@@ -8536,8 +8550,8 @@
     </p:tnLst>
     <p:bldLst>
       <p:bldP spid="6" grpId="0" build="allAtOnce"/>
+      <p:bldP spid="3" grpId="0"/>
       <p:bldP spid="2" grpId="0"/>
-      <p:bldP spid="3" grpId="0"/>
     </p:bldLst>
   </p:timing>
 </p:sld>
